--- a/presentation/Volleyball.pptx
+++ b/presentation/Volleyball.pptx
@@ -7,13 +7,15 @@
   <p:sldIdLst>
     <p:sldId id="256" r:id="rId2"/>
     <p:sldId id="257" r:id="rId3"/>
-    <p:sldId id="259" r:id="rId4"/>
-    <p:sldId id="260" r:id="rId5"/>
-    <p:sldId id="261" r:id="rId6"/>
-    <p:sldId id="262" r:id="rId7"/>
-    <p:sldId id="263" r:id="rId8"/>
-    <p:sldId id="264" r:id="rId9"/>
+    <p:sldId id="264" r:id="rId4"/>
+    <p:sldId id="259" r:id="rId5"/>
+    <p:sldId id="260" r:id="rId6"/>
+    <p:sldId id="261" r:id="rId7"/>
+    <p:sldId id="262" r:id="rId8"/>
+    <p:sldId id="263" r:id="rId9"/>
     <p:sldId id="265" r:id="rId10"/>
+    <p:sldId id="266" r:id="rId11"/>
+    <p:sldId id="267" r:id="rId12"/>
   </p:sldIdLst>
   <p:sldSz cx="9144000" cy="6858000" type="screen4x3"/>
   <p:notesSz cx="6858000" cy="9144000"/>
@@ -294,7 +296,7 @@
             <a:fld id="{09266331-50D6-4367-BB19-E89443AA9C3D}" type="datetimeFigureOut">
               <a:rPr lang="en-US" smtClean="0"/>
               <a:pPr/>
-              <a:t>3/9/2023</a:t>
+              <a:t>3/18/2023</a:t>
             </a:fld>
             <a:endParaRPr lang="en-US"/>
           </a:p>
@@ -577,7 +579,7 @@
             <a:fld id="{09266331-50D6-4367-BB19-E89443AA9C3D}" type="datetimeFigureOut">
               <a:rPr lang="en-US" smtClean="0"/>
               <a:pPr/>
-              <a:t>3/9/2023</a:t>
+              <a:t>3/18/2023</a:t>
             </a:fld>
             <a:endParaRPr lang="en-US"/>
           </a:p>
@@ -771,7 +773,7 @@
             <a:fld id="{09266331-50D6-4367-BB19-E89443AA9C3D}" type="datetimeFigureOut">
               <a:rPr lang="en-US" smtClean="0"/>
               <a:pPr/>
-              <a:t>3/9/2023</a:t>
+              <a:t>3/18/2023</a:t>
             </a:fld>
             <a:endParaRPr lang="en-US"/>
           </a:p>
@@ -1034,7 +1036,7 @@
             <a:fld id="{09266331-50D6-4367-BB19-E89443AA9C3D}" type="datetimeFigureOut">
               <a:rPr lang="en-US" smtClean="0"/>
               <a:pPr/>
-              <a:t>3/9/2023</a:t>
+              <a:t>3/18/2023</a:t>
             </a:fld>
             <a:endParaRPr lang="en-US"/>
           </a:p>
@@ -1462,7 +1464,7 @@
             <a:fld id="{09266331-50D6-4367-BB19-E89443AA9C3D}" type="datetimeFigureOut">
               <a:rPr lang="en-US" smtClean="0"/>
               <a:pPr/>
-              <a:t>3/9/2023</a:t>
+              <a:t>3/18/2023</a:t>
             </a:fld>
             <a:endParaRPr lang="en-US"/>
           </a:p>
@@ -2010,7 +2012,7 @@
             <a:fld id="{09266331-50D6-4367-BB19-E89443AA9C3D}" type="datetimeFigureOut">
               <a:rPr lang="en-US" smtClean="0"/>
               <a:pPr/>
-              <a:t>3/9/2023</a:t>
+              <a:t>3/18/2023</a:t>
             </a:fld>
             <a:endParaRPr lang="en-US"/>
           </a:p>
@@ -2843,7 +2845,7 @@
             <a:fld id="{09266331-50D6-4367-BB19-E89443AA9C3D}" type="datetimeFigureOut">
               <a:rPr lang="en-US" smtClean="0"/>
               <a:pPr/>
-              <a:t>3/9/2023</a:t>
+              <a:t>3/18/2023</a:t>
             </a:fld>
             <a:endParaRPr lang="en-US"/>
           </a:p>
@@ -3015,7 +3017,7 @@
             <a:fld id="{09266331-50D6-4367-BB19-E89443AA9C3D}" type="datetimeFigureOut">
               <a:rPr lang="en-US" smtClean="0"/>
               <a:pPr/>
-              <a:t>3/9/2023</a:t>
+              <a:t>3/18/2023</a:t>
             </a:fld>
             <a:endParaRPr lang="en-US"/>
           </a:p>
@@ -3197,7 +3199,7 @@
             <a:fld id="{09266331-50D6-4367-BB19-E89443AA9C3D}" type="datetimeFigureOut">
               <a:rPr lang="en-US" smtClean="0"/>
               <a:pPr/>
-              <a:t>3/9/2023</a:t>
+              <a:t>3/18/2023</a:t>
             </a:fld>
             <a:endParaRPr lang="en-US"/>
           </a:p>
@@ -3369,7 +3371,7 @@
             <a:fld id="{09266331-50D6-4367-BB19-E89443AA9C3D}" type="datetimeFigureOut">
               <a:rPr lang="en-US" smtClean="0"/>
               <a:pPr/>
-              <a:t>3/9/2023</a:t>
+              <a:t>3/18/2023</a:t>
             </a:fld>
             <a:endParaRPr lang="en-US"/>
           </a:p>
@@ -3628,7 +3630,7 @@
             <a:fld id="{09266331-50D6-4367-BB19-E89443AA9C3D}" type="datetimeFigureOut">
               <a:rPr lang="en-US" smtClean="0"/>
               <a:pPr/>
-              <a:t>3/9/2023</a:t>
+              <a:t>3/18/2023</a:t>
             </a:fld>
             <a:endParaRPr lang="en-US"/>
           </a:p>
@@ -3862,7 +3864,7 @@
             <a:fld id="{09266331-50D6-4367-BB19-E89443AA9C3D}" type="datetimeFigureOut">
               <a:rPr lang="en-US" smtClean="0"/>
               <a:pPr/>
-              <a:t>3/9/2023</a:t>
+              <a:t>3/18/2023</a:t>
             </a:fld>
             <a:endParaRPr lang="en-US"/>
           </a:p>
@@ -4259,7 +4261,7 @@
             <a:fld id="{09266331-50D6-4367-BB19-E89443AA9C3D}" type="datetimeFigureOut">
               <a:rPr lang="en-US" smtClean="0"/>
               <a:pPr/>
-              <a:t>3/9/2023</a:t>
+              <a:t>3/18/2023</a:t>
             </a:fld>
             <a:endParaRPr lang="en-US"/>
           </a:p>
@@ -4379,7 +4381,7 @@
             <a:fld id="{09266331-50D6-4367-BB19-E89443AA9C3D}" type="datetimeFigureOut">
               <a:rPr lang="en-US" smtClean="0"/>
               <a:pPr/>
-              <a:t>3/9/2023</a:t>
+              <a:t>3/18/2023</a:t>
             </a:fld>
             <a:endParaRPr lang="en-US"/>
           </a:p>
@@ -4476,7 +4478,7 @@
             <a:fld id="{09266331-50D6-4367-BB19-E89443AA9C3D}" type="datetimeFigureOut">
               <a:rPr lang="en-US" smtClean="0"/>
               <a:pPr/>
-              <a:t>3/9/2023</a:t>
+              <a:t>3/18/2023</a:t>
             </a:fld>
             <a:endParaRPr lang="en-US"/>
           </a:p>
@@ -4753,7 +4755,7 @@
             <a:fld id="{09266331-50D6-4367-BB19-E89443AA9C3D}" type="datetimeFigureOut">
               <a:rPr lang="en-US" smtClean="0"/>
               <a:pPr/>
-              <a:t>3/9/2023</a:t>
+              <a:t>3/18/2023</a:t>
             </a:fld>
             <a:endParaRPr lang="en-US"/>
           </a:p>
@@ -5038,7 +5040,7 @@
             <a:fld id="{09266331-50D6-4367-BB19-E89443AA9C3D}" type="datetimeFigureOut">
               <a:rPr lang="en-US" smtClean="0"/>
               <a:pPr/>
-              <a:t>3/9/2023</a:t>
+              <a:t>3/18/2023</a:t>
             </a:fld>
             <a:endParaRPr lang="en-US"/>
           </a:p>
@@ -5280,7 +5282,7 @@
             <a:fld id="{09266331-50D6-4367-BB19-E89443AA9C3D}" type="datetimeFigureOut">
               <a:rPr lang="en-US" smtClean="0"/>
               <a:pPr/>
-              <a:t>3/9/2023</a:t>
+              <a:t>3/18/2023</a:t>
             </a:fld>
             <a:endParaRPr lang="en-US"/>
           </a:p>
@@ -5952,7 +5954,259 @@
           </a:extLst>
         </p:spPr>
       </p:pic>
+      <p:pic>
+        <p:nvPicPr>
+          <p:cNvPr id="9" name="Picture 8">
+            <a:extLst>
+              <a:ext uri="{FF2B5EF4-FFF2-40B4-BE49-F238E27FC236}">
+                <a16:creationId xmlns:a16="http://schemas.microsoft.com/office/drawing/2014/main" id="{7A114ABE-6FBB-C2D5-93E7-4755DDC64FAD}"/>
+              </a:ext>
+            </a:extLst>
+          </p:cNvPr>
+          <p:cNvPicPr>
+            <a:picLocks noChangeAspect="1"/>
+          </p:cNvPicPr>
+          <p:nvPr/>
+        </p:nvPicPr>
+        <p:blipFill>
+          <a:blip r:embed="rId3" cstate="print">
+            <a:extLst>
+              <a:ext uri="{28A0092B-C50C-407E-A947-70E740481C1C}">
+                <a14:useLocalDpi xmlns:a14="http://schemas.microsoft.com/office/drawing/2010/main" val="0"/>
+              </a:ext>
+            </a:extLst>
+          </a:blip>
+          <a:stretch>
+            <a:fillRect/>
+          </a:stretch>
+        </p:blipFill>
+        <p:spPr>
+          <a:xfrm>
+            <a:off x="4038600" y="3050391"/>
+            <a:ext cx="609600" cy="609600"/>
+          </a:xfrm>
+          <a:prstGeom prst="rect">
+            <a:avLst/>
+          </a:prstGeom>
+        </p:spPr>
+      </p:pic>
     </p:spTree>
+  </p:cSld>
+  <p:clrMapOvr>
+    <a:masterClrMapping/>
+  </p:clrMapOvr>
+</p:sld>
+</file>
+
+<file path=ppt/slides/slide10.xml><?xml version="1.0" encoding="utf-8"?>
+<p:sld xmlns:a="http://schemas.openxmlformats.org/drawingml/2006/main" xmlns:r="http://schemas.openxmlformats.org/officeDocument/2006/relationships" xmlns:p="http://schemas.openxmlformats.org/presentationml/2006/main">
+  <p:cSld>
+    <p:spTree>
+      <p:nvGrpSpPr>
+        <p:cNvPr id="1" name=""/>
+        <p:cNvGrpSpPr/>
+        <p:nvPr/>
+      </p:nvGrpSpPr>
+      <p:grpSpPr>
+        <a:xfrm>
+          <a:off x="0" y="0"/>
+          <a:ext cx="0" cy="0"/>
+          <a:chOff x="0" y="0"/>
+          <a:chExt cx="0" cy="0"/>
+        </a:xfrm>
+      </p:grpSpPr>
+      <p:sp>
+        <p:nvSpPr>
+          <p:cNvPr id="2" name="Title 1">
+            <a:extLst>
+              <a:ext uri="{FF2B5EF4-FFF2-40B4-BE49-F238E27FC236}">
+                <a16:creationId xmlns:a16="http://schemas.microsoft.com/office/drawing/2014/main" id="{088236C5-5233-7901-A688-7D63F8EC9906}"/>
+              </a:ext>
+            </a:extLst>
+          </p:cNvPr>
+          <p:cNvSpPr>
+            <a:spLocks noGrp="1"/>
+          </p:cNvSpPr>
+          <p:nvPr>
+            <p:ph type="title"/>
+          </p:nvPr>
+        </p:nvSpPr>
+        <p:spPr/>
+        <p:txBody>
+          <a:bodyPr/>
+          <a:lstStyle/>
+          <a:p>
+            <a:r>
+              <a:rPr lang="en-IN" dirty="0"/>
+              <a:t>Positions in volleyball</a:t>
+            </a:r>
+          </a:p>
+        </p:txBody>
+      </p:sp>
+      <p:sp>
+        <p:nvSpPr>
+          <p:cNvPr id="3" name="Content Placeholder 2">
+            <a:extLst>
+              <a:ext uri="{FF2B5EF4-FFF2-40B4-BE49-F238E27FC236}">
+                <a16:creationId xmlns:a16="http://schemas.microsoft.com/office/drawing/2014/main" id="{84582B09-100D-9906-1531-CE2FE33D8106}"/>
+              </a:ext>
+            </a:extLst>
+          </p:cNvPr>
+          <p:cNvSpPr>
+            <a:spLocks noGrp="1"/>
+          </p:cNvSpPr>
+          <p:nvPr>
+            <p:ph idx="1"/>
+          </p:nvPr>
+        </p:nvSpPr>
+        <p:spPr/>
+        <p:txBody>
+          <a:bodyPr/>
+          <a:lstStyle/>
+          <a:p>
+            <a:r>
+              <a:rPr lang="en-IN" dirty="0"/>
+              <a:t>Setter</a:t>
+            </a:r>
+          </a:p>
+          <a:p>
+            <a:r>
+              <a:rPr lang="en-IN" dirty="0"/>
+              <a:t>Receivers</a:t>
+            </a:r>
+          </a:p>
+          <a:p>
+            <a:r>
+              <a:rPr lang="en-IN" dirty="0"/>
+              <a:t>Blockers/ spikers</a:t>
+            </a:r>
+          </a:p>
+          <a:p>
+            <a:r>
+              <a:rPr lang="en-IN" dirty="0"/>
+              <a:t>Setter</a:t>
+            </a:r>
+          </a:p>
+          <a:p>
+            <a:r>
+              <a:rPr lang="en-IN" dirty="0"/>
+              <a:t>Libro</a:t>
+            </a:r>
+          </a:p>
+          <a:p>
+            <a:endParaRPr lang="en-IN" dirty="0"/>
+          </a:p>
+        </p:txBody>
+      </p:sp>
+    </p:spTree>
+    <p:extLst>
+      <p:ext uri="{BB962C8B-B14F-4D97-AF65-F5344CB8AC3E}">
+        <p14:creationId xmlns:p14="http://schemas.microsoft.com/office/powerpoint/2010/main" val="1805133329"/>
+      </p:ext>
+    </p:extLst>
+  </p:cSld>
+  <p:clrMapOvr>
+    <a:masterClrMapping/>
+  </p:clrMapOvr>
+</p:sld>
+</file>
+
+<file path=ppt/slides/slide11.xml><?xml version="1.0" encoding="utf-8"?>
+<p:sld xmlns:a="http://schemas.openxmlformats.org/drawingml/2006/main" xmlns:r="http://schemas.openxmlformats.org/officeDocument/2006/relationships" xmlns:p="http://schemas.openxmlformats.org/presentationml/2006/main">
+  <p:cSld>
+    <p:spTree>
+      <p:nvGrpSpPr>
+        <p:cNvPr id="1" name=""/>
+        <p:cNvGrpSpPr/>
+        <p:nvPr/>
+      </p:nvGrpSpPr>
+      <p:grpSpPr>
+        <a:xfrm>
+          <a:off x="0" y="0"/>
+          <a:ext cx="0" cy="0"/>
+          <a:chOff x="0" y="0"/>
+          <a:chExt cx="0" cy="0"/>
+        </a:xfrm>
+      </p:grpSpPr>
+      <p:sp>
+        <p:nvSpPr>
+          <p:cNvPr id="2" name="Title 1">
+            <a:extLst>
+              <a:ext uri="{FF2B5EF4-FFF2-40B4-BE49-F238E27FC236}">
+                <a16:creationId xmlns:a16="http://schemas.microsoft.com/office/drawing/2014/main" id="{A2996A68-FD67-7AB2-7B8F-99DF0A6B407A}"/>
+              </a:ext>
+            </a:extLst>
+          </p:cNvPr>
+          <p:cNvSpPr>
+            <a:spLocks noGrp="1"/>
+          </p:cNvSpPr>
+          <p:nvPr>
+            <p:ph type="title"/>
+          </p:nvPr>
+        </p:nvSpPr>
+        <p:spPr/>
+        <p:txBody>
+          <a:bodyPr/>
+          <a:lstStyle/>
+          <a:p>
+            <a:r>
+              <a:rPr lang="en-IN" dirty="0"/>
+              <a:t>Playing formats</a:t>
+            </a:r>
+          </a:p>
+        </p:txBody>
+      </p:sp>
+      <p:sp>
+        <p:nvSpPr>
+          <p:cNvPr id="3" name="Content Placeholder 2">
+            <a:extLst>
+              <a:ext uri="{FF2B5EF4-FFF2-40B4-BE49-F238E27FC236}">
+                <a16:creationId xmlns:a16="http://schemas.microsoft.com/office/drawing/2014/main" id="{BD338AFC-9019-7CDC-20C9-9F6D527B2345}"/>
+              </a:ext>
+            </a:extLst>
+          </p:cNvPr>
+          <p:cNvSpPr>
+            <a:spLocks noGrp="1"/>
+          </p:cNvSpPr>
+          <p:nvPr>
+            <p:ph idx="1"/>
+          </p:nvPr>
+        </p:nvSpPr>
+        <p:spPr/>
+        <p:txBody>
+          <a:bodyPr/>
+          <a:lstStyle/>
+          <a:p>
+            <a:r>
+              <a:rPr lang="en-IN" dirty="0"/>
+              <a:t>It is played in a form of 5 set with the first four set begin of 25 points and the last set which is called the advantage set is of 15 points. The best of five is considered.</a:t>
+            </a:r>
+          </a:p>
+          <a:p>
+            <a:r>
+              <a:rPr lang="en-IN" dirty="0"/>
+              <a:t>This is also play in a best of 3 as well in some formats.</a:t>
+            </a:r>
+          </a:p>
+          <a:p>
+            <a:r>
+              <a:rPr lang="en-IN" dirty="0"/>
+              <a:t>Each team may consist of not more than 12 players from which 6 will be playing rest would </a:t>
+            </a:r>
+            <a:r>
+              <a:rPr lang="en-IN"/>
+              <a:t>be on the bench.</a:t>
+            </a:r>
+            <a:endParaRPr lang="en-IN" dirty="0"/>
+          </a:p>
+        </p:txBody>
+      </p:sp>
+    </p:spTree>
+    <p:extLst>
+      <p:ext uri="{BB962C8B-B14F-4D97-AF65-F5344CB8AC3E}">
+        <p14:creationId xmlns:p14="http://schemas.microsoft.com/office/powerpoint/2010/main" val="4062701745"/>
+      </p:ext>
+    </p:extLst>
   </p:cSld>
   <p:clrMapOvr>
     <a:masterClrMapping/>
@@ -6030,7 +6284,7 @@
           <a:p>
             <a:r>
               <a:rPr lang="en-US" sz="1800" dirty="0"/>
-              <a:t>Volleyball was created in 1985 by William G. Morgan, an instructor at the YMCA in </a:t>
+              <a:t>Volleyball was created in 1895 by William G. Morgan, an instructor at the YMCA in </a:t>
             </a:r>
             <a:r>
               <a:rPr lang="en-US" sz="1800" dirty="0" err="1"/>
@@ -6096,718 +6350,6 @@
 </file>
 
 <file path=ppt/slides/slide3.xml><?xml version="1.0" encoding="utf-8"?>
-<p:sld xmlns:a="http://schemas.openxmlformats.org/drawingml/2006/main" xmlns:r="http://schemas.openxmlformats.org/officeDocument/2006/relationships" xmlns:p="http://schemas.openxmlformats.org/presentationml/2006/main">
-  <p:cSld>
-    <p:spTree>
-      <p:nvGrpSpPr>
-        <p:cNvPr id="1" name=""/>
-        <p:cNvGrpSpPr/>
-        <p:nvPr/>
-      </p:nvGrpSpPr>
-      <p:grpSpPr>
-        <a:xfrm>
-          <a:off x="0" y="0"/>
-          <a:ext cx="0" cy="0"/>
-          <a:chOff x="0" y="0"/>
-          <a:chExt cx="0" cy="0"/>
-        </a:xfrm>
-      </p:grpSpPr>
-      <p:sp>
-        <p:nvSpPr>
-          <p:cNvPr id="2" name="Title 1"/>
-          <p:cNvSpPr>
-            <a:spLocks noGrp="1"/>
-          </p:cNvSpPr>
-          <p:nvPr>
-            <p:ph type="title"/>
-          </p:nvPr>
-        </p:nvSpPr>
-        <p:spPr>
-          <a:xfrm>
-            <a:off x="381000" y="-13447"/>
-            <a:ext cx="3581400" cy="1143000"/>
-          </a:xfrm>
-        </p:spPr>
-        <p:txBody>
-          <a:bodyPr>
-            <a:normAutofit/>
-          </a:bodyPr>
-          <a:lstStyle/>
-          <a:p>
-            <a:r>
-              <a:rPr lang="en-US" sz="4000" dirty="0"/>
-              <a:t>The Serve</a:t>
-            </a:r>
-          </a:p>
-        </p:txBody>
-      </p:sp>
-      <p:sp>
-        <p:nvSpPr>
-          <p:cNvPr id="3" name="Content Placeholder 2"/>
-          <p:cNvSpPr>
-            <a:spLocks noGrp="1"/>
-          </p:cNvSpPr>
-          <p:nvPr>
-            <p:ph idx="1"/>
-          </p:nvPr>
-        </p:nvSpPr>
-        <p:spPr>
-          <a:xfrm>
-            <a:off x="304800" y="914400"/>
-            <a:ext cx="8229600" cy="3730752"/>
-          </a:xfrm>
-        </p:spPr>
-        <p:txBody>
-          <a:bodyPr>
-            <a:normAutofit/>
-          </a:bodyPr>
-          <a:lstStyle/>
-          <a:p>
-            <a:r>
-              <a:rPr lang="en-US" dirty="0"/>
-              <a:t>Server must serve from behind the restraining line (end line). </a:t>
-            </a:r>
-          </a:p>
-          <a:p>
-            <a:r>
-              <a:rPr lang="en-US" dirty="0"/>
-              <a:t>Ball may be served underhand OR overhand.</a:t>
-            </a:r>
-          </a:p>
-          <a:p>
-            <a:r>
-              <a:rPr lang="en-US" dirty="0"/>
-              <a:t>Ball must be clearly visible to opponents before serve. </a:t>
-            </a:r>
-          </a:p>
-          <a:p>
-            <a:r>
-              <a:rPr lang="en-US" dirty="0"/>
-              <a:t>Served ball may graze the net and drop to the other side for a point. </a:t>
-            </a:r>
-          </a:p>
-          <a:p>
-            <a:r>
-              <a:rPr lang="en-US" dirty="0"/>
-              <a:t>First game serve is determined by a volley, each subsequent game shall be served by the previous game loser. </a:t>
-            </a:r>
-          </a:p>
-          <a:p>
-            <a:r>
-              <a:rPr lang="en-US" dirty="0"/>
-              <a:t>Serve must be returned by a bump only, no setting or attacking a serve.</a:t>
-            </a:r>
-          </a:p>
-          <a:p>
-            <a:endParaRPr lang="en-US" dirty="0"/>
-          </a:p>
-        </p:txBody>
-      </p:sp>
-      <p:pic>
-        <p:nvPicPr>
-          <p:cNvPr id="4" name="Picture 3" descr="4-serve1.jpg"/>
-          <p:cNvPicPr>
-            <a:picLocks noChangeAspect="1"/>
-          </p:cNvPicPr>
-          <p:nvPr/>
-        </p:nvPicPr>
-        <p:blipFill>
-          <a:blip r:embed="rId2" cstate="print"/>
-          <a:stretch>
-            <a:fillRect/>
-          </a:stretch>
-        </p:blipFill>
-        <p:spPr>
-          <a:xfrm>
-            <a:off x="4191000" y="4178808"/>
-            <a:ext cx="4572000" cy="2526792"/>
-          </a:xfrm>
-          <a:prstGeom prst="rect">
-            <a:avLst/>
-          </a:prstGeom>
-        </p:spPr>
-      </p:pic>
-    </p:spTree>
-  </p:cSld>
-  <p:clrMapOvr>
-    <a:masterClrMapping/>
-  </p:clrMapOvr>
-</p:sld>
-</file>
-
-<file path=ppt/slides/slide4.xml><?xml version="1.0" encoding="utf-8"?>
-<p:sld xmlns:a="http://schemas.openxmlformats.org/drawingml/2006/main" xmlns:r="http://schemas.openxmlformats.org/officeDocument/2006/relationships" xmlns:p="http://schemas.openxmlformats.org/presentationml/2006/main">
-  <p:cSld>
-    <p:spTree>
-      <p:nvGrpSpPr>
-        <p:cNvPr id="1" name=""/>
-        <p:cNvGrpSpPr/>
-        <p:nvPr/>
-      </p:nvGrpSpPr>
-      <p:grpSpPr>
-        <a:xfrm>
-          <a:off x="0" y="0"/>
-          <a:ext cx="0" cy="0"/>
-          <a:chOff x="0" y="0"/>
-          <a:chExt cx="0" cy="0"/>
-        </a:xfrm>
-      </p:grpSpPr>
-      <p:sp>
-        <p:nvSpPr>
-          <p:cNvPr id="2" name="Title 1"/>
-          <p:cNvSpPr>
-            <a:spLocks noGrp="1"/>
-          </p:cNvSpPr>
-          <p:nvPr>
-            <p:ph type="title"/>
-          </p:nvPr>
-        </p:nvSpPr>
-        <p:spPr>
-          <a:xfrm>
-            <a:off x="533400" y="484241"/>
-            <a:ext cx="3850341" cy="743924"/>
-          </a:xfrm>
-        </p:spPr>
-        <p:txBody>
-          <a:bodyPr>
-            <a:normAutofit/>
-          </a:bodyPr>
-          <a:lstStyle/>
-          <a:p>
-            <a:r>
-              <a:rPr lang="en-US" sz="4400" dirty="0"/>
-              <a:t>Scoring</a:t>
-            </a:r>
-          </a:p>
-        </p:txBody>
-      </p:sp>
-      <p:sp>
-        <p:nvSpPr>
-          <p:cNvPr id="3" name="Content Placeholder 2"/>
-          <p:cNvSpPr>
-            <a:spLocks noGrp="1"/>
-          </p:cNvSpPr>
-          <p:nvPr>
-            <p:ph idx="1"/>
-          </p:nvPr>
-        </p:nvSpPr>
-        <p:spPr>
-          <a:xfrm>
-            <a:off x="381000" y="1219200"/>
-            <a:ext cx="7467600" cy="4873752"/>
-          </a:xfrm>
-        </p:spPr>
-        <p:txBody>
-          <a:bodyPr/>
-          <a:lstStyle/>
-          <a:p>
-            <a:r>
-              <a:rPr lang="en-US" dirty="0"/>
-              <a:t>Rally scoring will be used. (There will be a point scored on every score of the ball).</a:t>
-            </a:r>
-          </a:p>
-          <a:p>
-            <a:r>
-              <a:rPr lang="en-US" dirty="0"/>
-              <a:t>Offense will score on a defensive miss or out of bounds hit. </a:t>
-            </a:r>
-          </a:p>
-          <a:p>
-            <a:r>
-              <a:rPr lang="en-US" dirty="0"/>
-              <a:t>Defense will score on an offensive miss, out of bounds hit, or a serve into the net.  </a:t>
-            </a:r>
-          </a:p>
-          <a:p>
-            <a:r>
-              <a:rPr lang="en-US" dirty="0"/>
-              <a:t>Game will be played to 25 points.</a:t>
-            </a:r>
-          </a:p>
-          <a:p>
-            <a:r>
-              <a:rPr lang="en-US" dirty="0"/>
-              <a:t>Must win by 2 points. </a:t>
-            </a:r>
-          </a:p>
-        </p:txBody>
-      </p:sp>
-    </p:spTree>
-  </p:cSld>
-  <p:clrMapOvr>
-    <a:masterClrMapping/>
-  </p:clrMapOvr>
-</p:sld>
-</file>
-
-<file path=ppt/slides/slide5.xml><?xml version="1.0" encoding="utf-8"?>
-<p:sld xmlns:a="http://schemas.openxmlformats.org/drawingml/2006/main" xmlns:r="http://schemas.openxmlformats.org/officeDocument/2006/relationships" xmlns:p="http://schemas.openxmlformats.org/presentationml/2006/main">
-  <p:cSld>
-    <p:spTree>
-      <p:nvGrpSpPr>
-        <p:cNvPr id="1" name=""/>
-        <p:cNvGrpSpPr/>
-        <p:nvPr/>
-      </p:nvGrpSpPr>
-      <p:grpSpPr>
-        <a:xfrm>
-          <a:off x="0" y="0"/>
-          <a:ext cx="0" cy="0"/>
-          <a:chOff x="0" y="0"/>
-          <a:chExt cx="0" cy="0"/>
-        </a:xfrm>
-      </p:grpSpPr>
-      <p:sp>
-        <p:nvSpPr>
-          <p:cNvPr id="2" name="Title 1"/>
-          <p:cNvSpPr>
-            <a:spLocks noGrp="1"/>
-          </p:cNvSpPr>
-          <p:nvPr>
-            <p:ph type="title"/>
-          </p:nvPr>
-        </p:nvSpPr>
-        <p:spPr>
-          <a:xfrm>
-            <a:off x="3013154" y="929893"/>
-            <a:ext cx="3200400" cy="896112"/>
-          </a:xfrm>
-        </p:spPr>
-        <p:txBody>
-          <a:bodyPr>
-            <a:normAutofit/>
-          </a:bodyPr>
-          <a:lstStyle/>
-          <a:p>
-            <a:r>
-              <a:rPr lang="en-US" sz="4400" dirty="0"/>
-              <a:t>Rotation</a:t>
-            </a:r>
-          </a:p>
-        </p:txBody>
-      </p:sp>
-      <p:pic>
-        <p:nvPicPr>
-          <p:cNvPr id="4" name="Content Placeholder 3" descr="image002.gif"/>
-          <p:cNvPicPr>
-            <a:picLocks noGrp="1" noChangeAspect="1"/>
-          </p:cNvPicPr>
-          <p:nvPr>
-            <p:ph idx="1"/>
-          </p:nvPr>
-        </p:nvPicPr>
-        <p:blipFill>
-          <a:blip r:embed="rId2" cstate="print"/>
-          <a:stretch>
-            <a:fillRect/>
-          </a:stretch>
-        </p:blipFill>
-        <p:spPr>
-          <a:xfrm>
-            <a:off x="685800" y="1981200"/>
-            <a:ext cx="2857500" cy="4191000"/>
-          </a:xfrm>
-        </p:spPr>
-      </p:pic>
-      <p:sp>
-        <p:nvSpPr>
-          <p:cNvPr id="5" name="TextBox 4"/>
-          <p:cNvSpPr txBox="1"/>
-          <p:nvPr/>
-        </p:nvSpPr>
-        <p:spPr>
-          <a:xfrm>
-            <a:off x="4800600" y="2438400"/>
-            <a:ext cx="4343400" cy="3554819"/>
-          </a:xfrm>
-          <a:prstGeom prst="rect">
-            <a:avLst/>
-          </a:prstGeom>
-          <a:noFill/>
-        </p:spPr>
-        <p:txBody>
-          <a:bodyPr wrap="square" rtlCol="0">
-            <a:spAutoFit/>
-          </a:bodyPr>
-          <a:lstStyle/>
-          <a:p>
-            <a:pPr marL="457200" indent="-457200">
-              <a:buFont typeface="Arial" panose="020B0604020202020204" pitchFamily="34" charset="0"/>
-              <a:buChar char="•"/>
-            </a:pPr>
-            <a:r>
-              <a:rPr lang="en-US" sz="2500" dirty="0">
-                <a:latin typeface="Arial Rounded MT Bold" pitchFamily="34" charset="0"/>
-              </a:rPr>
-              <a:t>Team will rotate one position each time they win the serve.</a:t>
-            </a:r>
-          </a:p>
-          <a:p>
-            <a:pPr marL="457200" indent="-457200">
-              <a:buFont typeface="Arial" panose="020B0604020202020204" pitchFamily="34" charset="0"/>
-              <a:buChar char="•"/>
-            </a:pPr>
-            <a:r>
-              <a:rPr lang="en-US" sz="2500" dirty="0">
-                <a:latin typeface="Arial Rounded MT Bold" pitchFamily="34" charset="0"/>
-              </a:rPr>
-              <a:t>Players rotate in a clockwise manner (see rotation diagram).</a:t>
-            </a:r>
-          </a:p>
-          <a:p>
-            <a:pPr marL="457200" indent="-457200">
-              <a:buFont typeface="Arial" panose="020B0604020202020204" pitchFamily="34" charset="0"/>
-              <a:buChar char="•"/>
-            </a:pPr>
-            <a:r>
-              <a:rPr lang="en-US" sz="2500" dirty="0">
-                <a:latin typeface="Arial Rounded MT Bold" pitchFamily="34" charset="0"/>
-              </a:rPr>
-              <a:t>There shall be 4 – 6 players on each side</a:t>
-            </a:r>
-          </a:p>
-          <a:p>
-            <a:pPr marL="285750" indent="-285750">
-              <a:buFont typeface="Arial" panose="020B0604020202020204" pitchFamily="34" charset="0"/>
-              <a:buChar char="•"/>
-            </a:pPr>
-            <a:endParaRPr lang="en-US" sz="2500" dirty="0"/>
-          </a:p>
-        </p:txBody>
-      </p:sp>
-    </p:spTree>
-  </p:cSld>
-  <p:clrMapOvr>
-    <a:masterClrMapping/>
-  </p:clrMapOvr>
-</p:sld>
-</file>
-
-<file path=ppt/slides/slide6.xml><?xml version="1.0" encoding="utf-8"?>
-<p:sld xmlns:a="http://schemas.openxmlformats.org/drawingml/2006/main" xmlns:r="http://schemas.openxmlformats.org/officeDocument/2006/relationships" xmlns:p="http://schemas.openxmlformats.org/presentationml/2006/main">
-  <p:cSld>
-    <p:spTree>
-      <p:nvGrpSpPr>
-        <p:cNvPr id="1" name=""/>
-        <p:cNvGrpSpPr/>
-        <p:nvPr/>
-      </p:nvGrpSpPr>
-      <p:grpSpPr>
-        <a:xfrm>
-          <a:off x="0" y="0"/>
-          <a:ext cx="0" cy="0"/>
-          <a:chOff x="0" y="0"/>
-          <a:chExt cx="0" cy="0"/>
-        </a:xfrm>
-      </p:grpSpPr>
-      <p:sp>
-        <p:nvSpPr>
-          <p:cNvPr id="2" name="Title 1"/>
-          <p:cNvSpPr>
-            <a:spLocks noGrp="1"/>
-          </p:cNvSpPr>
-          <p:nvPr>
-            <p:ph type="title"/>
-          </p:nvPr>
-        </p:nvSpPr>
-        <p:spPr>
-          <a:xfrm>
-            <a:off x="304800" y="381000"/>
-            <a:ext cx="3276600" cy="914400"/>
-          </a:xfrm>
-        </p:spPr>
-        <p:txBody>
-          <a:bodyPr>
-            <a:normAutofit/>
-          </a:bodyPr>
-          <a:lstStyle/>
-          <a:p>
-            <a:r>
-              <a:rPr lang="en-US" sz="3600" dirty="0"/>
-              <a:t>Game Play</a:t>
-            </a:r>
-          </a:p>
-        </p:txBody>
-      </p:sp>
-      <p:sp>
-        <p:nvSpPr>
-          <p:cNvPr id="3" name="Content Placeholder 2"/>
-          <p:cNvSpPr>
-            <a:spLocks noGrp="1"/>
-          </p:cNvSpPr>
-          <p:nvPr>
-            <p:ph idx="1"/>
-          </p:nvPr>
-        </p:nvSpPr>
-        <p:spPr>
-          <a:xfrm>
-            <a:off x="457200" y="1676400"/>
-            <a:ext cx="7467600" cy="4873752"/>
-          </a:xfrm>
-        </p:spPr>
-        <p:txBody>
-          <a:bodyPr>
-            <a:normAutofit fontScale="92500" lnSpcReduction="10000"/>
-          </a:bodyPr>
-          <a:lstStyle/>
-          <a:p>
-            <a:r>
-              <a:rPr lang="en-US" dirty="0"/>
-              <a:t>Maximum of 3 hits per side.</a:t>
-            </a:r>
-          </a:p>
-          <a:p>
-            <a:r>
-              <a:rPr lang="en-US" dirty="0"/>
-              <a:t>Player may not hit the ball twice in succession (a block is NOT considered a hit).</a:t>
-            </a:r>
-          </a:p>
-          <a:p>
-            <a:r>
-              <a:rPr lang="en-US" dirty="0"/>
-              <a:t>Ball may be played off the net during a volley and on a serve.</a:t>
-            </a:r>
-          </a:p>
-          <a:p>
-            <a:r>
-              <a:rPr lang="en-US" dirty="0"/>
-              <a:t>A ball touching a boundary line is good. </a:t>
-            </a:r>
-          </a:p>
-          <a:p>
-            <a:r>
-              <a:rPr lang="en-US" dirty="0"/>
-              <a:t>A legal hit is contact with the ball by a player’s body above and including the waist which does not allow the ball to visibly come to a rest. </a:t>
-            </a:r>
-          </a:p>
-          <a:p>
-            <a:r>
-              <a:rPr lang="en-US" dirty="0"/>
-              <a:t>If two or more players contact the ball simultaneously, it is considered one play and the players involved may not participate in the next play. </a:t>
-            </a:r>
-          </a:p>
-          <a:p>
-            <a:r>
-              <a:rPr lang="en-US" dirty="0"/>
-              <a:t>A player must not block or attack a serve. </a:t>
-            </a:r>
-          </a:p>
-          <a:p>
-            <a:r>
-              <a:rPr lang="en-US" dirty="0"/>
-              <a:t>Switching positions will be allowed strictly for front line players. (After the serve only). </a:t>
-            </a:r>
-          </a:p>
-          <a:p>
-            <a:endParaRPr lang="en-US" dirty="0"/>
-          </a:p>
-        </p:txBody>
-      </p:sp>
-    </p:spTree>
-  </p:cSld>
-  <p:clrMapOvr>
-    <a:masterClrMapping/>
-  </p:clrMapOvr>
-</p:sld>
-</file>
-
-<file path=ppt/slides/slide7.xml><?xml version="1.0" encoding="utf-8"?>
-<p:sld xmlns:a="http://schemas.openxmlformats.org/drawingml/2006/main" xmlns:r="http://schemas.openxmlformats.org/officeDocument/2006/relationships" xmlns:p="http://schemas.openxmlformats.org/presentationml/2006/main">
-  <p:cSld>
-    <p:spTree>
-      <p:nvGrpSpPr>
-        <p:cNvPr id="1" name=""/>
-        <p:cNvGrpSpPr/>
-        <p:nvPr/>
-      </p:nvGrpSpPr>
-      <p:grpSpPr>
-        <a:xfrm>
-          <a:off x="0" y="0"/>
-          <a:ext cx="0" cy="0"/>
-          <a:chOff x="0" y="0"/>
-          <a:chExt cx="0" cy="0"/>
-        </a:xfrm>
-      </p:grpSpPr>
-      <p:sp>
-        <p:nvSpPr>
-          <p:cNvPr id="2" name="Title 1"/>
-          <p:cNvSpPr>
-            <a:spLocks noGrp="1"/>
-          </p:cNvSpPr>
-          <p:nvPr>
-            <p:ph type="title"/>
-          </p:nvPr>
-        </p:nvSpPr>
-        <p:spPr>
-          <a:xfrm>
-            <a:off x="914400" y="457200"/>
-            <a:ext cx="8229600" cy="1143000"/>
-          </a:xfrm>
-        </p:spPr>
-        <p:txBody>
-          <a:bodyPr/>
-          <a:lstStyle/>
-          <a:p>
-            <a:r>
-              <a:rPr lang="en-US" dirty="0"/>
-              <a:t>Basic Violations</a:t>
-            </a:r>
-          </a:p>
-        </p:txBody>
-      </p:sp>
-      <p:sp>
-        <p:nvSpPr>
-          <p:cNvPr id="3" name="Content Placeholder 2"/>
-          <p:cNvSpPr>
-            <a:spLocks noGrp="1"/>
-          </p:cNvSpPr>
-          <p:nvPr>
-            <p:ph idx="1"/>
-          </p:nvPr>
-        </p:nvSpPr>
-        <p:spPr>
-          <a:xfrm>
-            <a:off x="304800" y="1828800"/>
-            <a:ext cx="7772400" cy="3505200"/>
-          </a:xfrm>
-        </p:spPr>
-        <p:txBody>
-          <a:bodyPr>
-            <a:normAutofit lnSpcReduction="10000"/>
-          </a:bodyPr>
-          <a:lstStyle/>
-          <a:p>
-            <a:r>
-              <a:rPr lang="en-US" dirty="0"/>
-              <a:t>Stepping on or over the line on a serve</a:t>
-            </a:r>
-          </a:p>
-          <a:p>
-            <a:r>
-              <a:rPr lang="en-US" dirty="0"/>
-              <a:t>Failure to serve the ball over the net successfully</a:t>
-            </a:r>
-          </a:p>
-          <a:p>
-            <a:r>
-              <a:rPr lang="en-US" dirty="0"/>
-              <a:t>Hitting the ball illegally (carrying, palming, throwing, etc.)</a:t>
-            </a:r>
-          </a:p>
-          <a:p>
-            <a:r>
-              <a:rPr lang="en-US" dirty="0"/>
-              <a:t>Touching the net with any part of your body while the ball is in play</a:t>
-            </a:r>
-          </a:p>
-          <a:p>
-            <a:r>
-              <a:rPr lang="en-US" dirty="0"/>
-              <a:t>Reaching over the net, except in these conditions:</a:t>
-            </a:r>
-          </a:p>
-          <a:p>
-            <a:pPr lvl="1"/>
-            <a:r>
-              <a:rPr lang="en-US" dirty="0"/>
-              <a:t>When executing a follow through</a:t>
-            </a:r>
-          </a:p>
-          <a:p>
-            <a:pPr lvl="1"/>
-            <a:r>
-              <a:rPr lang="en-US" dirty="0"/>
-              <a:t>When blocking a ball which is in the opponents court but is being returned (Block cannot contact the ball until AFTER the opponent attempting to return the ball makes contact)</a:t>
-            </a:r>
-          </a:p>
-        </p:txBody>
-      </p:sp>
-      <p:sp>
-        <p:nvSpPr>
-          <p:cNvPr id="4" name="TextBox 3"/>
-          <p:cNvSpPr txBox="1"/>
-          <p:nvPr/>
-        </p:nvSpPr>
-        <p:spPr>
-          <a:xfrm>
-            <a:off x="-152400" y="5105400"/>
-            <a:ext cx="8382000" cy="1446550"/>
-          </a:xfrm>
-          <a:prstGeom prst="rect">
-            <a:avLst/>
-          </a:prstGeom>
-          <a:noFill/>
-        </p:spPr>
-        <p:txBody>
-          <a:bodyPr wrap="square" rtlCol="0">
-            <a:spAutoFit/>
-          </a:bodyPr>
-          <a:lstStyle/>
-          <a:p>
-            <a:pPr marL="800100" lvl="1" indent="-342900">
-              <a:buFont typeface="Arial" panose="020B0604020202020204" pitchFamily="34" charset="0"/>
-              <a:buChar char="•"/>
-            </a:pPr>
-            <a:r>
-              <a:rPr lang="en-US" sz="2200" dirty="0"/>
-              <a:t>Reaching under the net</a:t>
-            </a:r>
-          </a:p>
-          <a:p>
-            <a:pPr marL="800100" lvl="1" indent="-342900">
-              <a:buFont typeface="Arial" panose="020B0604020202020204" pitchFamily="34" charset="0"/>
-              <a:buChar char="•"/>
-            </a:pPr>
-            <a:r>
-              <a:rPr lang="en-US" sz="2200" dirty="0"/>
-              <a:t>Failure to serve in the correct order</a:t>
-            </a:r>
-          </a:p>
-          <a:p>
-            <a:pPr marL="800100" lvl="1" indent="-342900">
-              <a:buFont typeface="Arial" panose="020B0604020202020204" pitchFamily="34" charset="0"/>
-              <a:buChar char="•"/>
-            </a:pPr>
-            <a:r>
-              <a:rPr lang="en-US" sz="2200" dirty="0"/>
-              <a:t>Blocks or spikes from a position in which is clearly not                   behind the 10-foot line while in the back row position.</a:t>
-            </a:r>
-          </a:p>
-        </p:txBody>
-      </p:sp>
-      <p:pic>
-        <p:nvPicPr>
-          <p:cNvPr id="5" name="Picture 4" descr="10_c_girls_volleyball_QF_chung_cheng_high_yishun_vs_anderson-5.jpg"/>
-          <p:cNvPicPr>
-            <a:picLocks noChangeAspect="1"/>
-          </p:cNvPicPr>
-          <p:nvPr/>
-        </p:nvPicPr>
-        <p:blipFill>
-          <a:blip r:embed="rId2" cstate="print"/>
-          <a:stretch>
-            <a:fillRect/>
-          </a:stretch>
-        </p:blipFill>
-        <p:spPr>
-          <a:xfrm>
-            <a:off x="6096000" y="457200"/>
-            <a:ext cx="2590800" cy="1727200"/>
-          </a:xfrm>
-          <a:prstGeom prst="rect">
-            <a:avLst/>
-          </a:prstGeom>
-        </p:spPr>
-      </p:pic>
-    </p:spTree>
-  </p:cSld>
-  <p:clrMapOvr>
-    <a:masterClrMapping/>
-  </p:clrMapOvr>
-</p:sld>
-</file>
-
-<file path=ppt/slides/slide8.xml><?xml version="1.0" encoding="utf-8"?>
 <p:sld xmlns:a="http://schemas.openxmlformats.org/drawingml/2006/main" xmlns:r="http://schemas.openxmlformats.org/officeDocument/2006/relationships" xmlns:p="http://schemas.openxmlformats.org/presentationml/2006/main">
   <p:cSld>
     <p:spTree>
@@ -6907,6 +6449,718 @@
               <a:srgbClr val="FFFFFF"/>
             </a:contourClr>
           </a:sp3d>
+        </p:spPr>
+      </p:pic>
+    </p:spTree>
+  </p:cSld>
+  <p:clrMapOvr>
+    <a:masterClrMapping/>
+  </p:clrMapOvr>
+</p:sld>
+</file>
+
+<file path=ppt/slides/slide4.xml><?xml version="1.0" encoding="utf-8"?>
+<p:sld xmlns:a="http://schemas.openxmlformats.org/drawingml/2006/main" xmlns:r="http://schemas.openxmlformats.org/officeDocument/2006/relationships" xmlns:p="http://schemas.openxmlformats.org/presentationml/2006/main">
+  <p:cSld>
+    <p:spTree>
+      <p:nvGrpSpPr>
+        <p:cNvPr id="1" name=""/>
+        <p:cNvGrpSpPr/>
+        <p:nvPr/>
+      </p:nvGrpSpPr>
+      <p:grpSpPr>
+        <a:xfrm>
+          <a:off x="0" y="0"/>
+          <a:ext cx="0" cy="0"/>
+          <a:chOff x="0" y="0"/>
+          <a:chExt cx="0" cy="0"/>
+        </a:xfrm>
+      </p:grpSpPr>
+      <p:sp>
+        <p:nvSpPr>
+          <p:cNvPr id="2" name="Title 1"/>
+          <p:cNvSpPr>
+            <a:spLocks noGrp="1"/>
+          </p:cNvSpPr>
+          <p:nvPr>
+            <p:ph type="title"/>
+          </p:nvPr>
+        </p:nvSpPr>
+        <p:spPr>
+          <a:xfrm>
+            <a:off x="381000" y="-13447"/>
+            <a:ext cx="3581400" cy="1143000"/>
+          </a:xfrm>
+        </p:spPr>
+        <p:txBody>
+          <a:bodyPr>
+            <a:normAutofit/>
+          </a:bodyPr>
+          <a:lstStyle/>
+          <a:p>
+            <a:r>
+              <a:rPr lang="en-US" sz="4000" dirty="0"/>
+              <a:t>The Serve</a:t>
+            </a:r>
+          </a:p>
+        </p:txBody>
+      </p:sp>
+      <p:sp>
+        <p:nvSpPr>
+          <p:cNvPr id="3" name="Content Placeholder 2"/>
+          <p:cNvSpPr>
+            <a:spLocks noGrp="1"/>
+          </p:cNvSpPr>
+          <p:nvPr>
+            <p:ph idx="1"/>
+          </p:nvPr>
+        </p:nvSpPr>
+        <p:spPr>
+          <a:xfrm>
+            <a:off x="304800" y="914400"/>
+            <a:ext cx="8229600" cy="3730752"/>
+          </a:xfrm>
+        </p:spPr>
+        <p:txBody>
+          <a:bodyPr>
+            <a:normAutofit/>
+          </a:bodyPr>
+          <a:lstStyle/>
+          <a:p>
+            <a:r>
+              <a:rPr lang="en-US" dirty="0"/>
+              <a:t>Server must serve from behind the restraining line (end line). </a:t>
+            </a:r>
+          </a:p>
+          <a:p>
+            <a:r>
+              <a:rPr lang="en-US" dirty="0"/>
+              <a:t>Ball may be served underhand OR overhand.</a:t>
+            </a:r>
+          </a:p>
+          <a:p>
+            <a:r>
+              <a:rPr lang="en-US" dirty="0"/>
+              <a:t>Ball must be clearly visible to opponents before serve. </a:t>
+            </a:r>
+          </a:p>
+          <a:p>
+            <a:r>
+              <a:rPr lang="en-US" dirty="0"/>
+              <a:t>Served ball may graze the net and drop to the other side for a point. </a:t>
+            </a:r>
+          </a:p>
+          <a:p>
+            <a:r>
+              <a:rPr lang="en-US" dirty="0"/>
+              <a:t>First game serve is determined by a volley, each subsequent game shall be served by the previous game loser. </a:t>
+            </a:r>
+          </a:p>
+          <a:p>
+            <a:r>
+              <a:rPr lang="en-US" dirty="0"/>
+              <a:t>Serve must be returned by a bump only, no setting or attacking a serve.</a:t>
+            </a:r>
+          </a:p>
+          <a:p>
+            <a:endParaRPr lang="en-US" dirty="0"/>
+          </a:p>
+        </p:txBody>
+      </p:sp>
+      <p:pic>
+        <p:nvPicPr>
+          <p:cNvPr id="4" name="Picture 3" descr="4-serve1.jpg"/>
+          <p:cNvPicPr>
+            <a:picLocks noChangeAspect="1"/>
+          </p:cNvPicPr>
+          <p:nvPr/>
+        </p:nvPicPr>
+        <p:blipFill>
+          <a:blip r:embed="rId2" cstate="print"/>
+          <a:stretch>
+            <a:fillRect/>
+          </a:stretch>
+        </p:blipFill>
+        <p:spPr>
+          <a:xfrm>
+            <a:off x="4191000" y="4178808"/>
+            <a:ext cx="4572000" cy="2526792"/>
+          </a:xfrm>
+          <a:prstGeom prst="rect">
+            <a:avLst/>
+          </a:prstGeom>
+        </p:spPr>
+      </p:pic>
+    </p:spTree>
+  </p:cSld>
+  <p:clrMapOvr>
+    <a:masterClrMapping/>
+  </p:clrMapOvr>
+</p:sld>
+</file>
+
+<file path=ppt/slides/slide5.xml><?xml version="1.0" encoding="utf-8"?>
+<p:sld xmlns:a="http://schemas.openxmlformats.org/drawingml/2006/main" xmlns:r="http://schemas.openxmlformats.org/officeDocument/2006/relationships" xmlns:p="http://schemas.openxmlformats.org/presentationml/2006/main">
+  <p:cSld>
+    <p:spTree>
+      <p:nvGrpSpPr>
+        <p:cNvPr id="1" name=""/>
+        <p:cNvGrpSpPr/>
+        <p:nvPr/>
+      </p:nvGrpSpPr>
+      <p:grpSpPr>
+        <a:xfrm>
+          <a:off x="0" y="0"/>
+          <a:ext cx="0" cy="0"/>
+          <a:chOff x="0" y="0"/>
+          <a:chExt cx="0" cy="0"/>
+        </a:xfrm>
+      </p:grpSpPr>
+      <p:sp>
+        <p:nvSpPr>
+          <p:cNvPr id="2" name="Title 1"/>
+          <p:cNvSpPr>
+            <a:spLocks noGrp="1"/>
+          </p:cNvSpPr>
+          <p:nvPr>
+            <p:ph type="title"/>
+          </p:nvPr>
+        </p:nvSpPr>
+        <p:spPr>
+          <a:xfrm>
+            <a:off x="533400" y="484241"/>
+            <a:ext cx="3850341" cy="743924"/>
+          </a:xfrm>
+        </p:spPr>
+        <p:txBody>
+          <a:bodyPr>
+            <a:normAutofit/>
+          </a:bodyPr>
+          <a:lstStyle/>
+          <a:p>
+            <a:r>
+              <a:rPr lang="en-US" sz="4400" dirty="0"/>
+              <a:t>Scoring</a:t>
+            </a:r>
+          </a:p>
+        </p:txBody>
+      </p:sp>
+      <p:sp>
+        <p:nvSpPr>
+          <p:cNvPr id="3" name="Content Placeholder 2"/>
+          <p:cNvSpPr>
+            <a:spLocks noGrp="1"/>
+          </p:cNvSpPr>
+          <p:nvPr>
+            <p:ph idx="1"/>
+          </p:nvPr>
+        </p:nvSpPr>
+        <p:spPr>
+          <a:xfrm>
+            <a:off x="381000" y="1219200"/>
+            <a:ext cx="7467600" cy="4873752"/>
+          </a:xfrm>
+        </p:spPr>
+        <p:txBody>
+          <a:bodyPr/>
+          <a:lstStyle/>
+          <a:p>
+            <a:r>
+              <a:rPr lang="en-US" dirty="0"/>
+              <a:t>Rally scoring will be used. (There will be a point scored on every score of the ball).</a:t>
+            </a:r>
+          </a:p>
+          <a:p>
+            <a:r>
+              <a:rPr lang="en-US" dirty="0"/>
+              <a:t>Offense will score on a defensive miss or out of bounds hit. </a:t>
+            </a:r>
+          </a:p>
+          <a:p>
+            <a:r>
+              <a:rPr lang="en-US" dirty="0"/>
+              <a:t>Defense will score on an offensive miss, out of bounds hit, or a serve into the net.  </a:t>
+            </a:r>
+          </a:p>
+          <a:p>
+            <a:r>
+              <a:rPr lang="en-US" dirty="0"/>
+              <a:t>Game will be played to 25 points.</a:t>
+            </a:r>
+          </a:p>
+          <a:p>
+            <a:r>
+              <a:rPr lang="en-US" dirty="0"/>
+              <a:t>Must win by 2 points. </a:t>
+            </a:r>
+          </a:p>
+        </p:txBody>
+      </p:sp>
+    </p:spTree>
+  </p:cSld>
+  <p:clrMapOvr>
+    <a:masterClrMapping/>
+  </p:clrMapOvr>
+</p:sld>
+</file>
+
+<file path=ppt/slides/slide6.xml><?xml version="1.0" encoding="utf-8"?>
+<p:sld xmlns:a="http://schemas.openxmlformats.org/drawingml/2006/main" xmlns:r="http://schemas.openxmlformats.org/officeDocument/2006/relationships" xmlns:p="http://schemas.openxmlformats.org/presentationml/2006/main">
+  <p:cSld>
+    <p:spTree>
+      <p:nvGrpSpPr>
+        <p:cNvPr id="1" name=""/>
+        <p:cNvGrpSpPr/>
+        <p:nvPr/>
+      </p:nvGrpSpPr>
+      <p:grpSpPr>
+        <a:xfrm>
+          <a:off x="0" y="0"/>
+          <a:ext cx="0" cy="0"/>
+          <a:chOff x="0" y="0"/>
+          <a:chExt cx="0" cy="0"/>
+        </a:xfrm>
+      </p:grpSpPr>
+      <p:sp>
+        <p:nvSpPr>
+          <p:cNvPr id="2" name="Title 1"/>
+          <p:cNvSpPr>
+            <a:spLocks noGrp="1"/>
+          </p:cNvSpPr>
+          <p:nvPr>
+            <p:ph type="title"/>
+          </p:nvPr>
+        </p:nvSpPr>
+        <p:spPr>
+          <a:xfrm>
+            <a:off x="3013154" y="929893"/>
+            <a:ext cx="3200400" cy="896112"/>
+          </a:xfrm>
+        </p:spPr>
+        <p:txBody>
+          <a:bodyPr>
+            <a:normAutofit/>
+          </a:bodyPr>
+          <a:lstStyle/>
+          <a:p>
+            <a:r>
+              <a:rPr lang="en-US" sz="4400" dirty="0"/>
+              <a:t>Rotation</a:t>
+            </a:r>
+          </a:p>
+        </p:txBody>
+      </p:sp>
+      <p:pic>
+        <p:nvPicPr>
+          <p:cNvPr id="4" name="Content Placeholder 3" descr="image002.gif"/>
+          <p:cNvPicPr>
+            <a:picLocks noGrp="1" noChangeAspect="1"/>
+          </p:cNvPicPr>
+          <p:nvPr>
+            <p:ph idx="1"/>
+          </p:nvPr>
+        </p:nvPicPr>
+        <p:blipFill>
+          <a:blip r:embed="rId2" cstate="print"/>
+          <a:stretch>
+            <a:fillRect/>
+          </a:stretch>
+        </p:blipFill>
+        <p:spPr>
+          <a:xfrm>
+            <a:off x="685800" y="1981200"/>
+            <a:ext cx="2857500" cy="4191000"/>
+          </a:xfrm>
+        </p:spPr>
+      </p:pic>
+      <p:sp>
+        <p:nvSpPr>
+          <p:cNvPr id="5" name="TextBox 4"/>
+          <p:cNvSpPr txBox="1"/>
+          <p:nvPr/>
+        </p:nvSpPr>
+        <p:spPr>
+          <a:xfrm>
+            <a:off x="4800600" y="2438400"/>
+            <a:ext cx="4343400" cy="3554819"/>
+          </a:xfrm>
+          <a:prstGeom prst="rect">
+            <a:avLst/>
+          </a:prstGeom>
+          <a:noFill/>
+        </p:spPr>
+        <p:txBody>
+          <a:bodyPr wrap="square" rtlCol="0">
+            <a:spAutoFit/>
+          </a:bodyPr>
+          <a:lstStyle/>
+          <a:p>
+            <a:pPr marL="457200" indent="-457200">
+              <a:buFont typeface="Arial" panose="020B0604020202020204" pitchFamily="34" charset="0"/>
+              <a:buChar char="•"/>
+            </a:pPr>
+            <a:r>
+              <a:rPr lang="en-US" sz="2500" dirty="0">
+                <a:latin typeface="Arial Rounded MT Bold" pitchFamily="34" charset="0"/>
+              </a:rPr>
+              <a:t>Team will rotate one position each time they win the serve.</a:t>
+            </a:r>
+          </a:p>
+          <a:p>
+            <a:pPr marL="457200" indent="-457200">
+              <a:buFont typeface="Arial" panose="020B0604020202020204" pitchFamily="34" charset="0"/>
+              <a:buChar char="•"/>
+            </a:pPr>
+            <a:r>
+              <a:rPr lang="en-US" sz="2500" dirty="0">
+                <a:latin typeface="Arial Rounded MT Bold" pitchFamily="34" charset="0"/>
+              </a:rPr>
+              <a:t>Players rotate in a clockwise manner (see rotation diagram).</a:t>
+            </a:r>
+          </a:p>
+          <a:p>
+            <a:pPr marL="457200" indent="-457200">
+              <a:buFont typeface="Arial" panose="020B0604020202020204" pitchFamily="34" charset="0"/>
+              <a:buChar char="•"/>
+            </a:pPr>
+            <a:r>
+              <a:rPr lang="en-US" sz="2500" dirty="0">
+                <a:latin typeface="Arial Rounded MT Bold" pitchFamily="34" charset="0"/>
+              </a:rPr>
+              <a:t>There shall be 4 – 6 players on each side</a:t>
+            </a:r>
+          </a:p>
+          <a:p>
+            <a:pPr marL="285750" indent="-285750">
+              <a:buFont typeface="Arial" panose="020B0604020202020204" pitchFamily="34" charset="0"/>
+              <a:buChar char="•"/>
+            </a:pPr>
+            <a:endParaRPr lang="en-US" sz="2500" dirty="0"/>
+          </a:p>
+        </p:txBody>
+      </p:sp>
+    </p:spTree>
+  </p:cSld>
+  <p:clrMapOvr>
+    <a:masterClrMapping/>
+  </p:clrMapOvr>
+</p:sld>
+</file>
+
+<file path=ppt/slides/slide7.xml><?xml version="1.0" encoding="utf-8"?>
+<p:sld xmlns:a="http://schemas.openxmlformats.org/drawingml/2006/main" xmlns:r="http://schemas.openxmlformats.org/officeDocument/2006/relationships" xmlns:p="http://schemas.openxmlformats.org/presentationml/2006/main">
+  <p:cSld>
+    <p:spTree>
+      <p:nvGrpSpPr>
+        <p:cNvPr id="1" name=""/>
+        <p:cNvGrpSpPr/>
+        <p:nvPr/>
+      </p:nvGrpSpPr>
+      <p:grpSpPr>
+        <a:xfrm>
+          <a:off x="0" y="0"/>
+          <a:ext cx="0" cy="0"/>
+          <a:chOff x="0" y="0"/>
+          <a:chExt cx="0" cy="0"/>
+        </a:xfrm>
+      </p:grpSpPr>
+      <p:sp>
+        <p:nvSpPr>
+          <p:cNvPr id="2" name="Title 1"/>
+          <p:cNvSpPr>
+            <a:spLocks noGrp="1"/>
+          </p:cNvSpPr>
+          <p:nvPr>
+            <p:ph type="title"/>
+          </p:nvPr>
+        </p:nvSpPr>
+        <p:spPr>
+          <a:xfrm>
+            <a:off x="304800" y="381000"/>
+            <a:ext cx="3276600" cy="914400"/>
+          </a:xfrm>
+        </p:spPr>
+        <p:txBody>
+          <a:bodyPr>
+            <a:normAutofit/>
+          </a:bodyPr>
+          <a:lstStyle/>
+          <a:p>
+            <a:r>
+              <a:rPr lang="en-US" sz="3600" dirty="0"/>
+              <a:t>Game Play</a:t>
+            </a:r>
+          </a:p>
+        </p:txBody>
+      </p:sp>
+      <p:sp>
+        <p:nvSpPr>
+          <p:cNvPr id="3" name="Content Placeholder 2"/>
+          <p:cNvSpPr>
+            <a:spLocks noGrp="1"/>
+          </p:cNvSpPr>
+          <p:nvPr>
+            <p:ph idx="1"/>
+          </p:nvPr>
+        </p:nvSpPr>
+        <p:spPr>
+          <a:xfrm>
+            <a:off x="457200" y="1676400"/>
+            <a:ext cx="7467600" cy="4873752"/>
+          </a:xfrm>
+        </p:spPr>
+        <p:txBody>
+          <a:bodyPr>
+            <a:normAutofit fontScale="92500" lnSpcReduction="10000"/>
+          </a:bodyPr>
+          <a:lstStyle/>
+          <a:p>
+            <a:r>
+              <a:rPr lang="en-US" dirty="0"/>
+              <a:t>Maximum of 3 hits per side.</a:t>
+            </a:r>
+          </a:p>
+          <a:p>
+            <a:r>
+              <a:rPr lang="en-US" dirty="0"/>
+              <a:t>Player may not hit the ball twice in succession (a block is NOT considered a hit).</a:t>
+            </a:r>
+          </a:p>
+          <a:p>
+            <a:r>
+              <a:rPr lang="en-US" dirty="0"/>
+              <a:t>Ball may be played off the net during a volley and on a serve.</a:t>
+            </a:r>
+          </a:p>
+          <a:p>
+            <a:r>
+              <a:rPr lang="en-US" dirty="0"/>
+              <a:t>A ball touching a boundary line is good. </a:t>
+            </a:r>
+          </a:p>
+          <a:p>
+            <a:r>
+              <a:rPr lang="en-US" dirty="0"/>
+              <a:t>A legal hit is contact with the ball by a player’s body above and including the waist which does not allow the ball to visibly come to a rest. </a:t>
+            </a:r>
+          </a:p>
+          <a:p>
+            <a:r>
+              <a:rPr lang="en-US" dirty="0"/>
+              <a:t>If two or more players contact the ball simultaneously, it is considered one play and the players involved may not participate in the next play. </a:t>
+            </a:r>
+          </a:p>
+          <a:p>
+            <a:r>
+              <a:rPr lang="en-US" dirty="0"/>
+              <a:t>A player must not block or attack a serve. </a:t>
+            </a:r>
+          </a:p>
+          <a:p>
+            <a:r>
+              <a:rPr lang="en-US" dirty="0"/>
+              <a:t>Switching positions will be allowed strictly for front line players. (After the serve only). </a:t>
+            </a:r>
+          </a:p>
+          <a:p>
+            <a:endParaRPr lang="en-US" dirty="0"/>
+          </a:p>
+        </p:txBody>
+      </p:sp>
+    </p:spTree>
+  </p:cSld>
+  <p:clrMapOvr>
+    <a:masterClrMapping/>
+  </p:clrMapOvr>
+</p:sld>
+</file>
+
+<file path=ppt/slides/slide8.xml><?xml version="1.0" encoding="utf-8"?>
+<p:sld xmlns:a="http://schemas.openxmlformats.org/drawingml/2006/main" xmlns:r="http://schemas.openxmlformats.org/officeDocument/2006/relationships" xmlns:p="http://schemas.openxmlformats.org/presentationml/2006/main">
+  <p:cSld>
+    <p:spTree>
+      <p:nvGrpSpPr>
+        <p:cNvPr id="1" name=""/>
+        <p:cNvGrpSpPr/>
+        <p:nvPr/>
+      </p:nvGrpSpPr>
+      <p:grpSpPr>
+        <a:xfrm>
+          <a:off x="0" y="0"/>
+          <a:ext cx="0" cy="0"/>
+          <a:chOff x="0" y="0"/>
+          <a:chExt cx="0" cy="0"/>
+        </a:xfrm>
+      </p:grpSpPr>
+      <p:sp>
+        <p:nvSpPr>
+          <p:cNvPr id="2" name="Title 1"/>
+          <p:cNvSpPr>
+            <a:spLocks noGrp="1"/>
+          </p:cNvSpPr>
+          <p:nvPr>
+            <p:ph type="title"/>
+          </p:nvPr>
+        </p:nvSpPr>
+        <p:spPr>
+          <a:xfrm>
+            <a:off x="914400" y="457200"/>
+            <a:ext cx="8229600" cy="1143000"/>
+          </a:xfrm>
+        </p:spPr>
+        <p:txBody>
+          <a:bodyPr/>
+          <a:lstStyle/>
+          <a:p>
+            <a:r>
+              <a:rPr lang="en-US" dirty="0"/>
+              <a:t>Basic Violations</a:t>
+            </a:r>
+          </a:p>
+        </p:txBody>
+      </p:sp>
+      <p:sp>
+        <p:nvSpPr>
+          <p:cNvPr id="3" name="Content Placeholder 2"/>
+          <p:cNvSpPr>
+            <a:spLocks noGrp="1"/>
+          </p:cNvSpPr>
+          <p:nvPr>
+            <p:ph idx="1"/>
+          </p:nvPr>
+        </p:nvSpPr>
+        <p:spPr>
+          <a:xfrm>
+            <a:off x="304800" y="1828800"/>
+            <a:ext cx="7772400" cy="3505200"/>
+          </a:xfrm>
+        </p:spPr>
+        <p:txBody>
+          <a:bodyPr>
+            <a:normAutofit lnSpcReduction="10000"/>
+          </a:bodyPr>
+          <a:lstStyle/>
+          <a:p>
+            <a:r>
+              <a:rPr lang="en-US" dirty="0"/>
+              <a:t>Stepping on or over the line on a serve</a:t>
+            </a:r>
+          </a:p>
+          <a:p>
+            <a:r>
+              <a:rPr lang="en-US" dirty="0"/>
+              <a:t>Failure to serve the ball over the net successfully</a:t>
+            </a:r>
+          </a:p>
+          <a:p>
+            <a:r>
+              <a:rPr lang="en-US" dirty="0"/>
+              <a:t>Hitting the ball illegally (carrying, palming, throwing, etc.)</a:t>
+            </a:r>
+          </a:p>
+          <a:p>
+            <a:r>
+              <a:rPr lang="en-US" dirty="0"/>
+              <a:t>Touching the net with any part of your body while the ball is in play</a:t>
+            </a:r>
+          </a:p>
+          <a:p>
+            <a:r>
+              <a:rPr lang="en-US" dirty="0"/>
+              <a:t>Reaching over the net, except in these conditions:</a:t>
+            </a:r>
+          </a:p>
+          <a:p>
+            <a:pPr lvl="1"/>
+            <a:r>
+              <a:rPr lang="en-US" dirty="0"/>
+              <a:t>When executing a follow through</a:t>
+            </a:r>
+          </a:p>
+          <a:p>
+            <a:pPr lvl="1"/>
+            <a:r>
+              <a:rPr lang="en-US" dirty="0"/>
+              <a:t>When blocking a ball which is in the opponents court but is being returned (Block cannot contact the ball until AFTER the opponent attempting to return the ball makes contact)</a:t>
+            </a:r>
+          </a:p>
+        </p:txBody>
+      </p:sp>
+      <p:sp>
+        <p:nvSpPr>
+          <p:cNvPr id="4" name="TextBox 3"/>
+          <p:cNvSpPr txBox="1"/>
+          <p:nvPr/>
+        </p:nvSpPr>
+        <p:spPr>
+          <a:xfrm>
+            <a:off x="-152400" y="5105400"/>
+            <a:ext cx="8382000" cy="1446550"/>
+          </a:xfrm>
+          <a:prstGeom prst="rect">
+            <a:avLst/>
+          </a:prstGeom>
+          <a:noFill/>
+        </p:spPr>
+        <p:txBody>
+          <a:bodyPr wrap="square" rtlCol="0">
+            <a:spAutoFit/>
+          </a:bodyPr>
+          <a:lstStyle/>
+          <a:p>
+            <a:pPr marL="800100" lvl="1" indent="-342900">
+              <a:buFont typeface="Arial" panose="020B0604020202020204" pitchFamily="34" charset="0"/>
+              <a:buChar char="•"/>
+            </a:pPr>
+            <a:r>
+              <a:rPr lang="en-US" sz="2200" dirty="0"/>
+              <a:t>Reaching under the net</a:t>
+            </a:r>
+          </a:p>
+          <a:p>
+            <a:pPr marL="800100" lvl="1" indent="-342900">
+              <a:buFont typeface="Arial" panose="020B0604020202020204" pitchFamily="34" charset="0"/>
+              <a:buChar char="•"/>
+            </a:pPr>
+            <a:r>
+              <a:rPr lang="en-US" sz="2200" dirty="0"/>
+              <a:t>Failure to serve in the correct order</a:t>
+            </a:r>
+          </a:p>
+          <a:p>
+            <a:pPr marL="800100" lvl="1" indent="-342900">
+              <a:buFont typeface="Arial" panose="020B0604020202020204" pitchFamily="34" charset="0"/>
+              <a:buChar char="•"/>
+            </a:pPr>
+            <a:r>
+              <a:rPr lang="en-US" sz="2200" dirty="0"/>
+              <a:t>Blocks or spikes from a position in which is clearly not                   behind the 10-foot line while in the back row position.</a:t>
+            </a:r>
+          </a:p>
+        </p:txBody>
+      </p:sp>
+      <p:pic>
+        <p:nvPicPr>
+          <p:cNvPr id="5" name="Picture 4" descr="10_c_girls_volleyball_QF_chung_cheng_high_yishun_vs_anderson-5.jpg"/>
+          <p:cNvPicPr>
+            <a:picLocks noChangeAspect="1"/>
+          </p:cNvPicPr>
+          <p:nvPr/>
+        </p:nvPicPr>
+        <p:blipFill>
+          <a:blip r:embed="rId2" cstate="print"/>
+          <a:stretch>
+            <a:fillRect/>
+          </a:stretch>
+        </p:blipFill>
+        <p:spPr>
+          <a:xfrm>
+            <a:off x="6096000" y="457200"/>
+            <a:ext cx="2590800" cy="1727200"/>
+          </a:xfrm>
+          <a:prstGeom prst="rect">
+            <a:avLst/>
+          </a:prstGeom>
         </p:spPr>
       </p:pic>
     </p:spTree>
